--- a/IBM WATSON Challenge.pptx
+++ b/IBM WATSON Challenge.pptx
@@ -224,7 +224,7 @@
             <a:fld id="{A8ADFD5B-A66C-449C-B6E8-FB716D07777D}" type="datetimeFigureOut">
               <a:rPr lang="en-US" smtClean="0"/>
               <a:pPr/>
-              <a:t>5/20/2017</a:t>
+              <a:t>5/21/2017</a:t>
             </a:fld>
             <a:endParaRPr lang="en-US"/>
           </a:p>
@@ -1849,7 +1849,7 @@
                 </a:solidFill>
               </a:rPr>
               <a:pPr algn="ctr"/>
-              <a:t>5/20/2017</a:t>
+              <a:t>5/21/2017</a:t>
             </a:fld>
             <a:endParaRPr lang="en-US" sz="2000" dirty="0">
               <a:solidFill>
@@ -2045,7 +2045,7 @@
             <a:fld id="{E4606EA6-EFEA-4C30-9264-4F9291A5780D}" type="datetime1">
               <a:rPr lang="en-US" smtClean="0"/>
               <a:pPr/>
-              <a:t>5/20/2017</a:t>
+              <a:t>5/21/2017</a:t>
             </a:fld>
             <a:endParaRPr lang="en-US"/>
           </a:p>
@@ -2465,7 +2465,7 @@
             <a:fld id="{6FCF9F07-3BC7-4570-B054-79111B0A380C}" type="datetime1">
               <a:rPr lang="en-US" smtClean="0"/>
               <a:pPr/>
-              <a:t>5/20/2017</a:t>
+              <a:t>5/21/2017</a:t>
             </a:fld>
             <a:endParaRPr lang="en-US"/>
           </a:p>
@@ -2722,7 +2722,7 @@
             <a:fld id="{E4606EA6-EFEA-4C30-9264-4F9291A5780D}" type="datetime1">
               <a:rPr lang="en-US" smtClean="0"/>
               <a:pPr/>
-              <a:t>5/20/2017</a:t>
+              <a:t>5/21/2017</a:t>
             </a:fld>
             <a:endParaRPr lang="en-US"/>
           </a:p>
@@ -2969,7 +2969,7 @@
             <a:fld id="{E4606EA6-EFEA-4C30-9264-4F9291A5780D}" type="datetime1">
               <a:rPr lang="en-US" smtClean="0"/>
               <a:pPr/>
-              <a:t>5/20/2017</a:t>
+              <a:t>5/21/2017</a:t>
             </a:fld>
             <a:endParaRPr lang="en-US"/>
           </a:p>
@@ -3176,7 +3176,7 @@
             <a:fld id="{6DFADB5D-B7A0-47E3-AD2D-B1A6F8614213}" type="datetime1">
               <a:rPr lang="en-US" smtClean="0"/>
               <a:pPr/>
-              <a:t>5/20/2017</a:t>
+              <a:t>5/21/2017</a:t>
             </a:fld>
             <a:endParaRPr lang="en-US"/>
           </a:p>
@@ -3288,7 +3288,7 @@
             <a:fld id="{72968126-03FC-49C0-B9B8-2B561CCC3D90}" type="datetime1">
               <a:rPr lang="en-US" smtClean="0"/>
               <a:pPr/>
-              <a:t>5/20/2017</a:t>
+              <a:t>5/21/2017</a:t>
             </a:fld>
             <a:endParaRPr lang="en-US"/>
           </a:p>
@@ -3439,7 +3439,7 @@
             <a:fld id="{F49A8198-4617-485E-9585-4840B69DBBA6}" type="datetime1">
               <a:rPr lang="en-US" smtClean="0"/>
               <a:pPr/>
-              <a:t>5/20/2017</a:t>
+              <a:t>5/21/2017</a:t>
             </a:fld>
             <a:endParaRPr lang="en-US"/>
           </a:p>
@@ -4016,7 +4016,7 @@
             <a:fld id="{E4606EA6-EFEA-4C30-9264-4F9291A5780D}" type="datetime1">
               <a:rPr lang="en-US" smtClean="0"/>
               <a:pPr/>
-              <a:t>5/20/2017</a:t>
+              <a:t>5/21/2017</a:t>
             </a:fld>
             <a:endParaRPr lang="en-US"/>
           </a:p>
@@ -4215,7 +4215,7 @@
             <a:fld id="{E4606EA6-EFEA-4C30-9264-4F9291A5780D}" type="datetime1">
               <a:rPr lang="en-US" smtClean="0"/>
               <a:pPr/>
-              <a:t>5/20/2017</a:t>
+              <a:t>5/21/2017</a:t>
             </a:fld>
             <a:endParaRPr lang="en-US" sz="1400" dirty="0">
               <a:solidFill>
@@ -4878,7 +4878,6 @@
               <a:rPr lang="en-US" sz="2000" dirty="0" smtClean="0"/>
               <a:t>Spartan777		Lead : Vinit Ganorkar</a:t>
             </a:r>
-            <a:endParaRPr lang="en-US" sz="2000" dirty="0" smtClean="0"/>
           </a:p>
         </p:txBody>
       </p:sp>
@@ -4920,10 +4919,6 @@
               </a:rPr>
               <a:t>THEME</a:t>
             </a:r>
-            <a:endParaRPr lang="en-US" sz="2000" b="1" dirty="0" smtClean="0">
-              <a:ea typeface="Times New Roman" pitchFamily="18" charset="0"/>
-              <a:cs typeface="Arial" charset="0"/>
-            </a:endParaRPr>
           </a:p>
         </p:txBody>
       </p:sp>
@@ -5021,10 +5016,6 @@
               </a:rPr>
               <a:t>SCENARIO</a:t>
             </a:r>
-            <a:endParaRPr lang="en-US" sz="2000" b="1" dirty="0" smtClean="0">
-              <a:ea typeface="Times New Roman" pitchFamily="18" charset="0"/>
-              <a:cs typeface="Arial" charset="0"/>
-            </a:endParaRPr>
           </a:p>
         </p:txBody>
       </p:sp>
@@ -5063,13 +5054,13 @@
   <p:clrMapOvr>
     <a:masterClrMapping/>
   </p:clrMapOvr>
-  <mc:AlternateContent xmlns:mc="http://schemas.openxmlformats.org/markup-compatibility/2006">
-    <mc:Choice xmlns:p15="http://schemas.microsoft.com/office/powerpoint/2012/main" Requires="p15">
+  <mc:AlternateContent xmlns:mc="http://schemas.openxmlformats.org/markup-compatibility/2006" xmlns:p15="http://schemas.microsoft.com/office/powerpoint/2012/main">
+    <mc:Choice Requires="p15">
       <p:transition xmlns:p14="http://schemas.microsoft.com/office/powerpoint/2010/main" spd="slow" p14:dur="1250">
         <p15:prstTrans prst="airplane"/>
       </p:transition>
     </mc:Choice>
-    <mc:Fallback>
+    <mc:Fallback xmlns="">
       <p:transition spd="slow">
         <p:fade/>
       </p:transition>
@@ -7012,11 +7003,7 @@
           <a:p>
             <a:r>
               <a:rPr lang="en-US" b="1" dirty="0"/>
-              <a:t>Team </a:t>
-            </a:r>
-            <a:r>
-              <a:rPr lang="en-US" b="1" dirty="0"/>
-              <a:t>Members </a:t>
+              <a:t>Team Members </a:t>
             </a:r>
             <a:endParaRPr lang="en-IN" b="1" dirty="0"/>
           </a:p>
@@ -7063,15 +7050,7 @@
           <a:p>
             <a:r>
               <a:rPr lang="en-US" b="1" dirty="0"/>
-              <a:t>Integration </a:t>
-            </a:r>
-            <a:r>
-              <a:rPr lang="en-US" b="1" dirty="0"/>
-              <a:t>with </a:t>
-            </a:r>
-            <a:r>
-              <a:rPr lang="en-US" b="1" dirty="0"/>
-              <a:t>Application</a:t>
+              <a:t>Integration with Application</a:t>
             </a:r>
           </a:p>
           <a:p>
@@ -7243,13 +7222,13 @@
   <p:clrMapOvr>
     <a:masterClrMapping/>
   </p:clrMapOvr>
-  <mc:AlternateContent xmlns:mc="http://schemas.openxmlformats.org/markup-compatibility/2006">
-    <mc:Choice xmlns:p14="http://schemas.microsoft.com/office/powerpoint/2010/main" Requires="p14">
+  <mc:AlternateContent xmlns:mc="http://schemas.openxmlformats.org/markup-compatibility/2006" xmlns:p14="http://schemas.microsoft.com/office/powerpoint/2010/main">
+    <mc:Choice Requires="p14">
       <p:transition spd="slow" p14:dur="1500">
         <p:split orient="vert"/>
       </p:transition>
     </mc:Choice>
-    <mc:Fallback>
+    <mc:Fallback xmlns="">
       <p:transition spd="slow">
         <p:split orient="vert"/>
       </p:transition>
@@ -7515,13 +7494,13 @@
   <p:clrMapOvr>
     <a:masterClrMapping/>
   </p:clrMapOvr>
-  <mc:AlternateContent xmlns:mc="http://schemas.openxmlformats.org/markup-compatibility/2006">
-    <mc:Choice xmlns:p14="http://schemas.microsoft.com/office/powerpoint/2010/main" Requires="p14">
+  <mc:AlternateContent xmlns:mc="http://schemas.openxmlformats.org/markup-compatibility/2006" xmlns:p14="http://schemas.microsoft.com/office/powerpoint/2010/main">
+    <mc:Choice Requires="p14">
       <p:transition spd="slow" p14:dur="1600">
         <p:blinds dir="vert"/>
       </p:transition>
     </mc:Choice>
-    <mc:Fallback>
+    <mc:Fallback xmlns="">
       <p:transition spd="slow">
         <p:blinds dir="vert"/>
       </p:transition>
@@ -8133,31 +8112,7 @@
                 <a:uFillTx/>
                 <a:latin typeface="Aachen BT"/>
               </a:rPr>
-              <a:t> cashless banks had long </a:t>
-            </a:r>
-            <a:r>
-              <a:rPr kumimoji="0" lang="en-US" sz="2000" b="0" i="0" u="none" strike="noStrike" kern="1200" cap="none" spc="0" normalizeH="0" dirty="0" smtClean="0">
-                <a:ln>
-                  <a:noFill/>
-                </a:ln>
-                <a:effectLst/>
-                <a:uLnTx/>
-                <a:uFillTx/>
-                <a:latin typeface="Aachen BT"/>
-              </a:rPr>
-              <a:t>long</a:t>
-            </a:r>
-            <a:r>
-              <a:rPr kumimoji="0" lang="en-US" sz="2000" b="0" i="0" u="none" strike="noStrike" kern="1200" cap="none" spc="0" normalizeH="0" dirty="0" smtClean="0">
-                <a:ln>
-                  <a:noFill/>
-                </a:ln>
-                <a:effectLst/>
-                <a:uLnTx/>
-                <a:uFillTx/>
-                <a:latin typeface="Aachen BT"/>
-              </a:rPr>
-              <a:t> queues and many people were unaware about the changing policies.</a:t>
+              <a:t> cashless banks had long long queues and many people were unaware about the changing policies.</a:t>
             </a:r>
           </a:p>
           <a:p>
@@ -8704,13 +8659,8 @@
           <a:p>
             <a:r>
               <a:rPr lang="en-IN" sz="1400" dirty="0"/>
-              <a:t>Messenge</a:t>
-            </a:r>
-            <a:r>
-              <a:rPr lang="en-IN" sz="1400" dirty="0"/>
-              <a:t>r</a:t>
-            </a:r>
-            <a:endParaRPr lang="en-IN" sz="1400" dirty="0"/>
+              <a:t>Messenger</a:t>
+            </a:r>
           </a:p>
         </p:txBody>
       </p:sp>
@@ -8740,7 +8690,6 @@
               <a:rPr lang="en-IN" sz="1400" dirty="0"/>
               <a:t>Text SMS</a:t>
             </a:r>
-            <a:endParaRPr lang="en-IN" sz="1400" dirty="0"/>
           </a:p>
         </p:txBody>
       </p:sp>
@@ -9918,7 +9867,7 @@
         </p:spPr>
         <p:txBody>
           <a:bodyPr vert="horz" lIns="137160" tIns="182880" rIns="137160" bIns="91440">
-            <a:normAutofit/>
+            <a:normAutofit fontScale="92500" lnSpcReduction="20000"/>
           </a:bodyPr>
           <a:lstStyle/>
           <a:p>
@@ -10020,7 +9969,36 @@
               <a:rPr lang="en-US" sz="2000" dirty="0" smtClean="0">
                 <a:latin typeface="Aachen BT"/>
               </a:rPr>
-              <a:t>Jason for creating flow in Node-RED.</a:t>
+              <a:t>Jason for creating flow in Node-RED</a:t>
+            </a:r>
+            <a:r>
+              <a:rPr lang="en-US" sz="2000" dirty="0" smtClean="0">
+                <a:latin typeface="Aachen BT"/>
+              </a:rPr>
+              <a:t>.</a:t>
+            </a:r>
+          </a:p>
+          <a:p>
+            <a:pPr marL="285750" lvl="0" indent="-285750" algn="just">
+              <a:spcBef>
+                <a:spcPts val="700"/>
+              </a:spcBef>
+              <a:spcAft>
+                <a:spcPts val="1000"/>
+              </a:spcAft>
+              <a:buClr>
+                <a:schemeClr val="tx1"/>
+              </a:buClr>
+              <a:buSzPct val="110000"/>
+              <a:buFont typeface="Arial" panose="020B0604020202020204" pitchFamily="34" charset="0"/>
+              <a:buChar char="•"/>
+              <a:defRPr/>
+            </a:pPr>
+            <a:r>
+              <a:rPr lang="en-US" sz="2000" dirty="0" smtClean="0">
+                <a:latin typeface="Aachen BT"/>
+              </a:rPr>
+              <a:t>Telegram App API</a:t>
             </a:r>
             <a:endParaRPr lang="en-US" sz="2000" dirty="0">
               <a:latin typeface="Aachen BT"/>
